--- a/ゲーム制作企画書.pptx
+++ b/ゲーム制作企画書.pptx
@@ -6,8 +6,8 @@
   </p:sldMasterIdLst>
   <p:sldIdLst>
     <p:sldId id="256" r:id="rId2"/>
-    <p:sldId id="258" r:id="rId3"/>
-    <p:sldId id="257" r:id="rId4"/>
+    <p:sldId id="257" r:id="rId3"/>
+    <p:sldId id="258" r:id="rId4"/>
     <p:sldId id="259" r:id="rId5"/>
   </p:sldIdLst>
   <p:sldSz cx="12192000" cy="6858000"/>
@@ -301,7 +301,7 @@
           <a:p>
             <a:fld id="{021EE310-EC55-4FE5-9459-5D3CEDE369C6}" type="datetimeFigureOut">
               <a:rPr kumimoji="1" lang="ja-JP" altLang="en-US" smtClean="0"/>
-              <a:t>2025/10/7</a:t>
+              <a:t>2025/10/9</a:t>
             </a:fld>
             <a:endParaRPr kumimoji="1" lang="ja-JP" altLang="en-US"/>
           </a:p>
@@ -576,7 +576,7 @@
           <a:p>
             <a:fld id="{021EE310-EC55-4FE5-9459-5D3CEDE369C6}" type="datetimeFigureOut">
               <a:rPr kumimoji="1" lang="ja-JP" altLang="en-US" smtClean="0"/>
-              <a:t>2025/10/7</a:t>
+              <a:t>2025/10/9</a:t>
             </a:fld>
             <a:endParaRPr kumimoji="1" lang="ja-JP" altLang="en-US"/>
           </a:p>
@@ -770,7 +770,7 @@
           <a:p>
             <a:fld id="{021EE310-EC55-4FE5-9459-5D3CEDE369C6}" type="datetimeFigureOut">
               <a:rPr kumimoji="1" lang="ja-JP" altLang="en-US" smtClean="0"/>
-              <a:t>2025/10/7</a:t>
+              <a:t>2025/10/9</a:t>
             </a:fld>
             <a:endParaRPr kumimoji="1" lang="ja-JP" altLang="en-US"/>
           </a:p>
@@ -1043,7 +1043,7 @@
           <a:p>
             <a:fld id="{021EE310-EC55-4FE5-9459-5D3CEDE369C6}" type="datetimeFigureOut">
               <a:rPr kumimoji="1" lang="ja-JP" altLang="en-US" smtClean="0"/>
-              <a:t>2025/10/7</a:t>
+              <a:t>2025/10/9</a:t>
             </a:fld>
             <a:endParaRPr kumimoji="1" lang="ja-JP" altLang="en-US"/>
           </a:p>
@@ -1384,7 +1384,7 @@
           <a:p>
             <a:fld id="{021EE310-EC55-4FE5-9459-5D3CEDE369C6}" type="datetimeFigureOut">
               <a:rPr kumimoji="1" lang="ja-JP" altLang="en-US" smtClean="0"/>
-              <a:t>2025/10/7</a:t>
+              <a:t>2025/10/9</a:t>
             </a:fld>
             <a:endParaRPr kumimoji="1" lang="ja-JP" altLang="en-US"/>
           </a:p>
@@ -2007,7 +2007,7 @@
           <a:p>
             <a:fld id="{021EE310-EC55-4FE5-9459-5D3CEDE369C6}" type="datetimeFigureOut">
               <a:rPr kumimoji="1" lang="ja-JP" altLang="en-US" smtClean="0"/>
-              <a:t>2025/10/7</a:t>
+              <a:t>2025/10/9</a:t>
             </a:fld>
             <a:endParaRPr kumimoji="1" lang="ja-JP" altLang="en-US"/>
           </a:p>
@@ -2867,7 +2867,7 @@
           <a:p>
             <a:fld id="{021EE310-EC55-4FE5-9459-5D3CEDE369C6}" type="datetimeFigureOut">
               <a:rPr kumimoji="1" lang="ja-JP" altLang="en-US" smtClean="0"/>
-              <a:t>2025/10/7</a:t>
+              <a:t>2025/10/9</a:t>
             </a:fld>
             <a:endParaRPr kumimoji="1" lang="ja-JP" altLang="en-US"/>
           </a:p>
@@ -3069,7 +3069,7 @@
           <a:p>
             <a:fld id="{021EE310-EC55-4FE5-9459-5D3CEDE369C6}" type="datetimeFigureOut">
               <a:rPr kumimoji="1" lang="ja-JP" altLang="en-US" smtClean="0"/>
-              <a:t>2025/10/7</a:t>
+              <a:t>2025/10/9</a:t>
             </a:fld>
             <a:endParaRPr kumimoji="1" lang="ja-JP" altLang="en-US"/>
           </a:p>
@@ -3281,7 +3281,7 @@
           <a:p>
             <a:fld id="{021EE310-EC55-4FE5-9459-5D3CEDE369C6}" type="datetimeFigureOut">
               <a:rPr kumimoji="1" lang="ja-JP" altLang="en-US" smtClean="0"/>
-              <a:t>2025/10/7</a:t>
+              <a:t>2025/10/9</a:t>
             </a:fld>
             <a:endParaRPr kumimoji="1" lang="ja-JP" altLang="en-US"/>
           </a:p>
@@ -3483,7 +3483,7 @@
           <a:p>
             <a:fld id="{021EE310-EC55-4FE5-9459-5D3CEDE369C6}" type="datetimeFigureOut">
               <a:rPr kumimoji="1" lang="ja-JP" altLang="en-US" smtClean="0"/>
-              <a:t>2025/10/7</a:t>
+              <a:t>2025/10/9</a:t>
             </a:fld>
             <a:endParaRPr kumimoji="1" lang="ja-JP" altLang="en-US"/>
           </a:p>
@@ -3730,7 +3730,7 @@
           <a:p>
             <a:fld id="{021EE310-EC55-4FE5-9459-5D3CEDE369C6}" type="datetimeFigureOut">
               <a:rPr kumimoji="1" lang="ja-JP" altLang="en-US" smtClean="0"/>
-              <a:t>2025/10/7</a:t>
+              <a:t>2025/10/9</a:t>
             </a:fld>
             <a:endParaRPr kumimoji="1" lang="ja-JP" altLang="en-US"/>
           </a:p>
@@ -4086,7 +4086,7 @@
           <a:p>
             <a:fld id="{021EE310-EC55-4FE5-9459-5D3CEDE369C6}" type="datetimeFigureOut">
               <a:rPr kumimoji="1" lang="ja-JP" altLang="en-US" smtClean="0"/>
-              <a:t>2025/10/7</a:t>
+              <a:t>2025/10/9</a:t>
             </a:fld>
             <a:endParaRPr kumimoji="1" lang="ja-JP" altLang="en-US"/>
           </a:p>
@@ -4594,7 +4594,7 @@
           <a:p>
             <a:fld id="{021EE310-EC55-4FE5-9459-5D3CEDE369C6}" type="datetimeFigureOut">
               <a:rPr kumimoji="1" lang="ja-JP" altLang="en-US" smtClean="0"/>
-              <a:t>2025/10/7</a:t>
+              <a:t>2025/10/9</a:t>
             </a:fld>
             <a:endParaRPr kumimoji="1" lang="ja-JP" altLang="en-US"/>
           </a:p>
@@ -4712,7 +4712,7 @@
           <a:p>
             <a:fld id="{021EE310-EC55-4FE5-9459-5D3CEDE369C6}" type="datetimeFigureOut">
               <a:rPr kumimoji="1" lang="ja-JP" altLang="en-US" smtClean="0"/>
-              <a:t>2025/10/7</a:t>
+              <a:t>2025/10/9</a:t>
             </a:fld>
             <a:endParaRPr kumimoji="1" lang="ja-JP" altLang="en-US"/>
           </a:p>
@@ -4807,7 +4807,7 @@
           <a:p>
             <a:fld id="{021EE310-EC55-4FE5-9459-5D3CEDE369C6}" type="datetimeFigureOut">
               <a:rPr kumimoji="1" lang="ja-JP" altLang="en-US" smtClean="0"/>
-              <a:t>2025/10/7</a:t>
+              <a:t>2025/10/9</a:t>
             </a:fld>
             <a:endParaRPr kumimoji="1" lang="ja-JP" altLang="en-US"/>
           </a:p>
@@ -5118,7 +5118,7 @@
           <a:p>
             <a:fld id="{021EE310-EC55-4FE5-9459-5D3CEDE369C6}" type="datetimeFigureOut">
               <a:rPr kumimoji="1" lang="ja-JP" altLang="en-US" smtClean="0"/>
-              <a:t>2025/10/7</a:t>
+              <a:t>2025/10/9</a:t>
             </a:fld>
             <a:endParaRPr kumimoji="1" lang="ja-JP" altLang="en-US"/>
           </a:p>
@@ -5393,7 +5393,7 @@
           <a:p>
             <a:fld id="{021EE310-EC55-4FE5-9459-5D3CEDE369C6}" type="datetimeFigureOut">
               <a:rPr kumimoji="1" lang="ja-JP" altLang="en-US" smtClean="0"/>
-              <a:t>2025/10/7</a:t>
+              <a:t>2025/10/9</a:t>
             </a:fld>
             <a:endParaRPr kumimoji="1" lang="ja-JP" altLang="en-US"/>
           </a:p>
@@ -5854,7 +5854,7 @@
           <a:p>
             <a:fld id="{021EE310-EC55-4FE5-9459-5D3CEDE369C6}" type="datetimeFigureOut">
               <a:rPr kumimoji="1" lang="ja-JP" altLang="en-US" smtClean="0"/>
-              <a:t>2025/10/7</a:t>
+              <a:t>2025/10/9</a:t>
             </a:fld>
             <a:endParaRPr kumimoji="1" lang="ja-JP" altLang="en-US"/>
           </a:p>
@@ -6478,8 +6478,8 @@
         </p:nvSpPr>
         <p:spPr>
           <a:xfrm>
-            <a:off x="335632" y="320526"/>
-            <a:ext cx="2749471" cy="707886"/>
+            <a:off x="178130" y="267686"/>
+            <a:ext cx="6846125" cy="707886"/>
           </a:xfrm>
           <a:prstGeom prst="rect">
             <a:avLst/>
@@ -6487,7 +6487,7 @@
           <a:noFill/>
         </p:spPr>
         <p:txBody>
-          <a:bodyPr wrap="none" rtlCol="0">
+          <a:bodyPr wrap="square" rtlCol="0">
             <a:spAutoFit/>
           </a:bodyPr>
           <a:lstStyle/>
@@ -6498,7 +6498,7 @@
                   <a:srgbClr val="FF0000"/>
                 </a:solidFill>
               </a:rPr>
-              <a:t>ゲーム概要</a:t>
+              <a:t>ゲームのコンセプト</a:t>
             </a:r>
             <a:endParaRPr kumimoji="1" lang="ja-JP" altLang="en-US" sz="4000" dirty="0">
               <a:solidFill>
@@ -6510,14 +6510,14 @@
       </p:sp>
       <p:sp>
         <p:nvSpPr>
-          <p:cNvPr id="7" name="テキスト ボックス 6"/>
+          <p:cNvPr id="11" name="テキスト ボックス 10"/>
           <p:cNvSpPr txBox="1"/>
           <p:nvPr/>
         </p:nvSpPr>
         <p:spPr>
           <a:xfrm>
-            <a:off x="335632" y="1733797"/>
-            <a:ext cx="8371459" cy="4708981"/>
+            <a:off x="178130" y="1280709"/>
+            <a:ext cx="11751935" cy="430887"/>
           </a:xfrm>
           <a:prstGeom prst="rect">
             <a:avLst/>
@@ -6525,116 +6525,29 @@
           <a:noFill/>
         </p:spPr>
         <p:txBody>
-          <a:bodyPr wrap="square" rtlCol="0">
+          <a:bodyPr wrap="none" rtlCol="0">
             <a:spAutoFit/>
           </a:bodyPr>
           <a:lstStyle/>
           <a:p>
             <a:r>
-              <a:rPr kumimoji="1" lang="ja-JP" altLang="en-US" sz="2000" dirty="0" smtClean="0"/>
-              <a:t>・３</a:t>
-            </a:r>
-            <a:r>
-              <a:rPr kumimoji="1" lang="en-US" altLang="ja-JP" sz="2000" dirty="0" smtClean="0"/>
-              <a:t>D</a:t>
-            </a:r>
-            <a:r>
-              <a:rPr kumimoji="1" lang="ja-JP" altLang="en-US" sz="2000" dirty="0" smtClean="0"/>
-              <a:t>のサードパーンアクションゲーム</a:t>
-            </a:r>
-            <a:endParaRPr kumimoji="1" lang="en-US" altLang="ja-JP" sz="2000" dirty="0" smtClean="0"/>
-          </a:p>
-          <a:p>
-            <a:endParaRPr lang="en-US" altLang="ja-JP" sz="2000" dirty="0"/>
-          </a:p>
-          <a:p>
-            <a:r>
-              <a:rPr kumimoji="1" lang="ja-JP" altLang="en-US" sz="2000" dirty="0" smtClean="0"/>
-              <a:t>・ステージの敵をすべて倒すとゲームクリア</a:t>
-            </a:r>
-            <a:endParaRPr kumimoji="1" lang="en-US" altLang="ja-JP" sz="2000" dirty="0" smtClean="0"/>
-          </a:p>
-          <a:p>
-            <a:endParaRPr lang="en-US" altLang="ja-JP" sz="2000" dirty="0"/>
-          </a:p>
-          <a:p>
-            <a:r>
-              <a:rPr kumimoji="1" lang="ja-JP" altLang="en-US" sz="2000" dirty="0" smtClean="0"/>
-              <a:t>・</a:t>
-            </a:r>
-            <a:r>
-              <a:rPr kumimoji="1" lang="en-US" altLang="ja-JP" sz="2000" dirty="0" smtClean="0"/>
-              <a:t>HP</a:t>
-            </a:r>
-            <a:r>
-              <a:rPr kumimoji="1" lang="ja-JP" altLang="en-US" sz="2000" dirty="0" smtClean="0"/>
-              <a:t>がなくなるか、制限時間が過ぎたらゲームオーバー</a:t>
-            </a:r>
-            <a:endParaRPr kumimoji="1" lang="en-US" altLang="ja-JP" sz="2000" dirty="0" smtClean="0"/>
-          </a:p>
-          <a:p>
-            <a:endParaRPr lang="en-US" altLang="ja-JP" sz="2000" dirty="0"/>
-          </a:p>
-          <a:p>
-            <a:r>
-              <a:rPr kumimoji="1" lang="ja-JP" altLang="en-US" sz="2000" dirty="0" smtClean="0"/>
-              <a:t>・ステージによってギミックがある（重力が強くなりジャンプ力低下など）</a:t>
-            </a:r>
-            <a:endParaRPr kumimoji="1" lang="en-US" altLang="ja-JP" sz="2000" dirty="0" smtClean="0"/>
-          </a:p>
-          <a:p>
-            <a:endParaRPr lang="en-US" altLang="ja-JP" sz="2000" dirty="0"/>
-          </a:p>
-          <a:p>
-            <a:r>
-              <a:rPr kumimoji="1" lang="ja-JP" altLang="en-US" sz="2000" dirty="0" smtClean="0"/>
-              <a:t>・ステージは２～４個</a:t>
-            </a:r>
-            <a:endParaRPr kumimoji="1" lang="en-US" altLang="ja-JP" sz="2000" dirty="0" smtClean="0"/>
-          </a:p>
-          <a:p>
-            <a:endParaRPr lang="en-US" altLang="ja-JP" sz="2000" dirty="0"/>
-          </a:p>
-          <a:p>
-            <a:r>
-              <a:rPr lang="ja-JP" altLang="en-US" sz="2000" dirty="0" smtClean="0"/>
-              <a:t>・ステージにはアイテムがある（制限時間が伸びるなど）</a:t>
-            </a:r>
-            <a:endParaRPr lang="en-US" altLang="ja-JP" sz="2000" dirty="0" smtClean="0"/>
-          </a:p>
-          <a:p>
-            <a:endParaRPr kumimoji="1" lang="en-US" altLang="ja-JP" sz="2000" dirty="0"/>
-          </a:p>
-          <a:p>
-            <a:r>
-              <a:rPr lang="ja-JP" altLang="en-US" sz="2000" dirty="0" smtClean="0"/>
-              <a:t>・ステージクリア後にスコアが表示</a:t>
-            </a:r>
-            <a:r>
-              <a:rPr lang="ja-JP" altLang="en-US" sz="2000" dirty="0" smtClean="0"/>
-              <a:t>される</a:t>
-            </a:r>
-            <a:endParaRPr lang="en-US" altLang="ja-JP" sz="2000" dirty="0" smtClean="0"/>
-          </a:p>
-          <a:p>
-            <a:r>
-              <a:rPr kumimoji="1" lang="ja-JP" altLang="en-US" sz="2000" dirty="0" smtClean="0"/>
-              <a:t>・犬を指示して行う</a:t>
-            </a:r>
-            <a:endParaRPr kumimoji="1" lang="ja-JP" altLang="en-US" sz="2000" dirty="0"/>
-          </a:p>
-        </p:txBody>
-      </p:sp>
-      <p:sp>
-        <p:nvSpPr>
-          <p:cNvPr id="9" name="テキスト ボックス 8"/>
+              <a:rPr lang="ja-JP" altLang="en-US" sz="2200" u="sng" dirty="0" smtClean="0"/>
+              <a:t>武装した犬がエイリアンと戦う、惑星環境ギミック付きサードパーソン・アクションゲーム</a:t>
+            </a:r>
+            <a:endParaRPr kumimoji="1" lang="ja-JP" altLang="en-US" sz="2200" u="sng" dirty="0"/>
+          </a:p>
+        </p:txBody>
+      </p:sp>
+      <p:sp>
+        <p:nvSpPr>
+          <p:cNvPr id="12" name="テキスト ボックス 11"/>
           <p:cNvSpPr txBox="1"/>
           <p:nvPr/>
         </p:nvSpPr>
         <p:spPr>
           <a:xfrm>
-            <a:off x="335632" y="1201287"/>
-            <a:ext cx="9494907" cy="430887"/>
+            <a:off x="338447" y="2541320"/>
+            <a:ext cx="11572399" cy="3046988"/>
           </a:xfrm>
           <a:prstGeom prst="rect">
             <a:avLst/>
@@ -6648,27 +6561,68 @@
           <a:lstStyle/>
           <a:p>
             <a:r>
-              <a:rPr lang="ja-JP" altLang="en-US" sz="2200" u="sng" dirty="0" smtClean="0"/>
-              <a:t>・犬</a:t>
-            </a:r>
-            <a:r>
-              <a:rPr lang="ja-JP" altLang="en-US" sz="2200" u="sng" dirty="0"/>
-              <a:t>を主人公にして、兵器を駆使してエイリアンを倒し地球を守るゲーム</a:t>
-            </a:r>
-            <a:endParaRPr kumimoji="1" lang="ja-JP" altLang="en-US" sz="2200" u="sng" dirty="0"/>
-          </a:p>
-        </p:txBody>
-      </p:sp>
-      <p:sp>
-        <p:nvSpPr>
-          <p:cNvPr id="16" name="正方形/長方形 15"/>
+              <a:rPr kumimoji="1" lang="ja-JP" altLang="en-US" sz="2400" dirty="0" smtClean="0"/>
+              <a:t>・制限時間が</a:t>
+            </a:r>
+            <a:r>
+              <a:rPr lang="ja-JP" altLang="en-US" sz="2400" dirty="0"/>
+              <a:t>あること</a:t>
+            </a:r>
+            <a:r>
+              <a:rPr lang="ja-JP" altLang="en-US" sz="2400" dirty="0" smtClean="0"/>
+              <a:t>で緊張感と敵を殲滅してクリアする爽快感がある</a:t>
+            </a:r>
+            <a:endParaRPr lang="en-US" altLang="ja-JP" sz="2400" dirty="0" smtClean="0"/>
+          </a:p>
+          <a:p>
+            <a:endParaRPr kumimoji="1" lang="en-US" altLang="ja-JP" sz="2400" dirty="0"/>
+          </a:p>
+          <a:p>
+            <a:r>
+              <a:rPr lang="ja-JP" altLang="en-US" sz="2400" dirty="0" smtClean="0"/>
+              <a:t>・ステージクリア後にスコアが表示されるので、繰り返し遊ぶことができる</a:t>
+            </a:r>
+            <a:endParaRPr lang="en-US" altLang="ja-JP" sz="2400" dirty="0" smtClean="0"/>
+          </a:p>
+          <a:p>
+            <a:endParaRPr kumimoji="1" lang="en-US" altLang="ja-JP" sz="2400" dirty="0"/>
+          </a:p>
+          <a:p>
+            <a:r>
+              <a:rPr lang="ja-JP" altLang="en-US" sz="2400" dirty="0" smtClean="0"/>
+              <a:t>・犬が主人公なのでかわいさと、</a:t>
+            </a:r>
+            <a:endParaRPr lang="en-US" altLang="ja-JP" sz="2400" dirty="0"/>
+          </a:p>
+          <a:p>
+            <a:r>
+              <a:rPr lang="ja-JP" altLang="en-US" sz="2400" dirty="0" smtClean="0"/>
+              <a:t>化学兵器が登場するかっこよさが同居しているので、幅広いプレイヤー層に刺さる</a:t>
+            </a:r>
+            <a:endParaRPr lang="en-US" altLang="ja-JP" sz="2400" dirty="0" smtClean="0"/>
+          </a:p>
+          <a:p>
+            <a:endParaRPr kumimoji="1" lang="en-US" altLang="ja-JP" sz="2400" dirty="0"/>
+          </a:p>
+          <a:p>
+            <a:r>
+              <a:rPr lang="ja-JP" altLang="en-US" sz="2400" dirty="0" smtClean="0"/>
+              <a:t>・ステージごとに違うギミックにより攻略体験や、アイテム要素が戦略性がある</a:t>
+            </a:r>
+            <a:endParaRPr lang="en-US" altLang="ja-JP" sz="2400" dirty="0" smtClean="0"/>
+          </a:p>
+        </p:txBody>
+      </p:sp>
+      <p:sp>
+        <p:nvSpPr>
+          <p:cNvPr id="13" name="正方形/長方形 12"/>
           <p:cNvSpPr/>
           <p:nvPr/>
         </p:nvSpPr>
         <p:spPr>
           <a:xfrm>
-            <a:off x="302821" y="284954"/>
-            <a:ext cx="2784763" cy="743458"/>
+            <a:off x="249382" y="267686"/>
+            <a:ext cx="4619501" cy="707886"/>
           </a:xfrm>
           <a:prstGeom prst="rect">
             <a:avLst/>
@@ -6707,36 +6661,31 @@
       </p:sp>
       <p:sp>
         <p:nvSpPr>
-          <p:cNvPr id="18" name="正方形/長方形 17"/>
+          <p:cNvPr id="14" name="正方形/長方形 13"/>
           <p:cNvSpPr/>
           <p:nvPr/>
         </p:nvSpPr>
         <p:spPr>
           <a:xfrm>
-            <a:off x="335632" y="1745673"/>
-            <a:ext cx="10132467" cy="4767943"/>
+            <a:off x="338447" y="1864426"/>
+            <a:ext cx="11376561" cy="4583875"/>
           </a:xfrm>
           <a:prstGeom prst="rect">
             <a:avLst/>
           </a:prstGeom>
           <a:noFill/>
-          <a:ln>
-            <a:solidFill>
-              <a:schemeClr val="bg1"/>
-            </a:solidFill>
-          </a:ln>
         </p:spPr>
         <p:style>
           <a:lnRef idx="2">
-            <a:schemeClr val="accent1">
+            <a:schemeClr val="dk1">
               <a:shade val="50000"/>
             </a:schemeClr>
           </a:lnRef>
           <a:fillRef idx="1">
-            <a:schemeClr val="accent1"/>
+            <a:schemeClr val="dk1"/>
           </a:fillRef>
           <a:effectRef idx="0">
-            <a:schemeClr val="accent1"/>
+            <a:schemeClr val="dk1"/>
           </a:effectRef>
           <a:fontRef idx="minor">
             <a:schemeClr val="lt1"/>
@@ -6747,83 +6696,14 @@
           <a:lstStyle/>
           <a:p>
             <a:pPr algn="ctr"/>
-            <a:endParaRPr kumimoji="1" lang="ja-JP" altLang="en-US">
-              <a:ln>
-                <a:solidFill>
-                  <a:sysClr val="windowText" lastClr="000000"/>
-                </a:solidFill>
-              </a:ln>
-              <a:solidFill>
-                <a:sysClr val="windowText" lastClr="000000"/>
-              </a:solidFill>
-            </a:endParaRPr>
-          </a:p>
-        </p:txBody>
-      </p:sp>
-      <p:pic>
-        <p:nvPicPr>
-          <p:cNvPr id="2" name="図 1"/>
-          <p:cNvPicPr>
-            <a:picLocks noChangeAspect="1"/>
-          </p:cNvPicPr>
-          <p:nvPr/>
-        </p:nvPicPr>
-        <p:blipFill>
-          <a:blip r:embed="rId2" cstate="print">
-            <a:extLst>
-              <a:ext uri="{28A0092B-C50C-407E-A947-70E740481C1C}">
-                <a14:useLocalDpi xmlns:a14="http://schemas.microsoft.com/office/drawing/2010/main" val="0"/>
-              </a:ext>
-            </a:extLst>
-          </a:blip>
-          <a:stretch>
-            <a:fillRect/>
-          </a:stretch>
-        </p:blipFill>
-        <p:spPr>
-          <a:xfrm>
-            <a:off x="8248162" y="4334256"/>
-            <a:ext cx="2108391" cy="2103120"/>
-          </a:xfrm>
-          <a:prstGeom prst="rect">
-            <a:avLst/>
-          </a:prstGeom>
-        </p:spPr>
-      </p:pic>
-      <p:pic>
-        <p:nvPicPr>
-          <p:cNvPr id="3" name="図 2"/>
-          <p:cNvPicPr>
-            <a:picLocks noChangeAspect="1"/>
-          </p:cNvPicPr>
-          <p:nvPr/>
-        </p:nvPicPr>
-        <p:blipFill>
-          <a:blip r:embed="rId3" cstate="print">
-            <a:extLst>
-              <a:ext uri="{28A0092B-C50C-407E-A947-70E740481C1C}">
-                <a14:useLocalDpi xmlns:a14="http://schemas.microsoft.com/office/drawing/2010/main" val="0"/>
-              </a:ext>
-            </a:extLst>
-          </a:blip>
-          <a:stretch>
-            <a:fillRect/>
-          </a:stretch>
-        </p:blipFill>
-        <p:spPr>
-          <a:xfrm rot="19373706">
-            <a:off x="7986867" y="5413172"/>
-            <a:ext cx="1108758" cy="1057477"/>
-          </a:xfrm>
-          <a:prstGeom prst="rect">
-            <a:avLst/>
-          </a:prstGeom>
-        </p:spPr>
-      </p:pic>
+            <a:endParaRPr kumimoji="1" lang="ja-JP" altLang="en-US"/>
+          </a:p>
+        </p:txBody>
+      </p:sp>
     </p:spTree>
     <p:extLst>
       <p:ext uri="{BB962C8B-B14F-4D97-AF65-F5344CB8AC3E}">
-        <p14:creationId xmlns:p14="http://schemas.microsoft.com/office/powerpoint/2010/main" val="2507048037"/>
+        <p14:creationId xmlns:p14="http://schemas.microsoft.com/office/powerpoint/2010/main" val="177058317"/>
       </p:ext>
     </p:extLst>
   </p:cSld>
@@ -6865,8 +6745,8 @@
         </p:nvSpPr>
         <p:spPr>
           <a:xfrm>
-            <a:off x="178130" y="267686"/>
-            <a:ext cx="6846125" cy="707886"/>
+            <a:off x="335632" y="320526"/>
+            <a:ext cx="2749471" cy="707886"/>
           </a:xfrm>
           <a:prstGeom prst="rect">
             <a:avLst/>
@@ -6874,7 +6754,7 @@
           <a:noFill/>
         </p:spPr>
         <p:txBody>
-          <a:bodyPr wrap="square" rtlCol="0">
+          <a:bodyPr wrap="none" rtlCol="0">
             <a:spAutoFit/>
           </a:bodyPr>
           <a:lstStyle/>
@@ -6885,7 +6765,15 @@
                   <a:srgbClr val="FF0000"/>
                 </a:solidFill>
               </a:rPr>
-              <a:t>ゲームのコンセプト</a:t>
+              <a:t>ゲーム</a:t>
+            </a:r>
+            <a:r>
+              <a:rPr lang="ja-JP" altLang="en-US" sz="4000" dirty="0">
+                <a:solidFill>
+                  <a:srgbClr val="FF0000"/>
+                </a:solidFill>
+              </a:rPr>
+              <a:t>内容</a:t>
             </a:r>
             <a:endParaRPr kumimoji="1" lang="ja-JP" altLang="en-US" sz="4000" dirty="0">
               <a:solidFill>
@@ -6897,14 +6785,14 @@
       </p:sp>
       <p:sp>
         <p:nvSpPr>
-          <p:cNvPr id="11" name="テキスト ボックス 10"/>
+          <p:cNvPr id="7" name="テキスト ボックス 6"/>
           <p:cNvSpPr txBox="1"/>
           <p:nvPr/>
         </p:nvSpPr>
         <p:spPr>
           <a:xfrm>
-            <a:off x="178130" y="1280709"/>
-            <a:ext cx="11751935" cy="430887"/>
+            <a:off x="897355" y="1681283"/>
+            <a:ext cx="8371459" cy="5016758"/>
           </a:xfrm>
           <a:prstGeom prst="rect">
             <a:avLst/>
@@ -6912,29 +6800,118 @@
           <a:noFill/>
         </p:spPr>
         <p:txBody>
-          <a:bodyPr wrap="none" rtlCol="0">
+          <a:bodyPr wrap="square" rtlCol="0">
             <a:spAutoFit/>
           </a:bodyPr>
           <a:lstStyle/>
           <a:p>
             <a:r>
-              <a:rPr lang="ja-JP" altLang="en-US" sz="2200" u="sng" dirty="0" smtClean="0"/>
-              <a:t>武装した犬がエイリアンと戦う、惑星環境ギミック付きサードパーソン・アクションゲーム</a:t>
-            </a:r>
-            <a:endParaRPr kumimoji="1" lang="ja-JP" altLang="en-US" sz="2200" u="sng" dirty="0"/>
-          </a:p>
-        </p:txBody>
-      </p:sp>
-      <p:sp>
-        <p:nvSpPr>
-          <p:cNvPr id="12" name="テキスト ボックス 11"/>
+              <a:rPr kumimoji="1" lang="ja-JP" altLang="en-US" sz="2000" dirty="0" smtClean="0"/>
+              <a:t>・３</a:t>
+            </a:r>
+            <a:r>
+              <a:rPr kumimoji="1" lang="en-US" altLang="ja-JP" sz="2000" dirty="0" smtClean="0"/>
+              <a:t>D</a:t>
+            </a:r>
+            <a:r>
+              <a:rPr kumimoji="1" lang="ja-JP" altLang="en-US" sz="2000" dirty="0" smtClean="0"/>
+              <a:t>のサードパーンアクションゲーム</a:t>
+            </a:r>
+            <a:endParaRPr kumimoji="1" lang="en-US" altLang="ja-JP" sz="2000" dirty="0" smtClean="0"/>
+          </a:p>
+          <a:p>
+            <a:endParaRPr lang="en-US" altLang="ja-JP" sz="2000" dirty="0" smtClean="0"/>
+          </a:p>
+          <a:p>
+            <a:r>
+              <a:rPr lang="ja-JP" altLang="en-US" sz="2000" dirty="0"/>
+              <a:t>・犬を指示して行う</a:t>
+            </a:r>
+          </a:p>
+          <a:p>
+            <a:endParaRPr lang="en-US" altLang="ja-JP" sz="2000" dirty="0"/>
+          </a:p>
+          <a:p>
+            <a:r>
+              <a:rPr kumimoji="1" lang="ja-JP" altLang="en-US" sz="2000" dirty="0" smtClean="0"/>
+              <a:t>・ステージの敵をすべて倒すとゲームクリア</a:t>
+            </a:r>
+            <a:endParaRPr kumimoji="1" lang="en-US" altLang="ja-JP" sz="2000" dirty="0" smtClean="0"/>
+          </a:p>
+          <a:p>
+            <a:endParaRPr lang="en-US" altLang="ja-JP" sz="2000" dirty="0"/>
+          </a:p>
+          <a:p>
+            <a:r>
+              <a:rPr kumimoji="1" lang="ja-JP" altLang="en-US" sz="2000" dirty="0" smtClean="0"/>
+              <a:t>・</a:t>
+            </a:r>
+            <a:r>
+              <a:rPr kumimoji="1" lang="en-US" altLang="ja-JP" sz="2000" dirty="0" smtClean="0"/>
+              <a:t>HP</a:t>
+            </a:r>
+            <a:r>
+              <a:rPr kumimoji="1" lang="ja-JP" altLang="en-US" sz="2000" dirty="0" smtClean="0"/>
+              <a:t>がなくなるか、制限時間が過ぎたらゲームオーバー</a:t>
+            </a:r>
+            <a:endParaRPr kumimoji="1" lang="en-US" altLang="ja-JP" sz="2000" dirty="0" smtClean="0"/>
+          </a:p>
+          <a:p>
+            <a:endParaRPr lang="en-US" altLang="ja-JP" sz="2000" dirty="0"/>
+          </a:p>
+          <a:p>
+            <a:r>
+              <a:rPr kumimoji="1" lang="ja-JP" altLang="en-US" sz="2000" dirty="0" smtClean="0"/>
+              <a:t>・ステージによってギミックがある（重力が強くなりジャンプ力低下など）</a:t>
+            </a:r>
+            <a:endParaRPr kumimoji="1" lang="en-US" altLang="ja-JP" sz="2000" dirty="0" smtClean="0"/>
+          </a:p>
+          <a:p>
+            <a:endParaRPr lang="en-US" altLang="ja-JP" sz="2000" dirty="0"/>
+          </a:p>
+          <a:p>
+            <a:r>
+              <a:rPr kumimoji="1" lang="ja-JP" altLang="en-US" sz="2000" dirty="0" smtClean="0"/>
+              <a:t>・ステージは２～４個</a:t>
+            </a:r>
+            <a:endParaRPr kumimoji="1" lang="en-US" altLang="ja-JP" sz="2000" dirty="0" smtClean="0"/>
+          </a:p>
+          <a:p>
+            <a:endParaRPr lang="en-US" altLang="ja-JP" sz="2000" dirty="0"/>
+          </a:p>
+          <a:p>
+            <a:r>
+              <a:rPr lang="ja-JP" altLang="en-US" sz="2000" dirty="0" smtClean="0"/>
+              <a:t>・ステージにはアイテムがある（制限時間が伸びるなど）</a:t>
+            </a:r>
+            <a:endParaRPr lang="en-US" altLang="ja-JP" sz="2000" dirty="0" smtClean="0"/>
+          </a:p>
+          <a:p>
+            <a:endParaRPr kumimoji="1" lang="en-US" altLang="ja-JP" sz="2000" dirty="0"/>
+          </a:p>
+          <a:p>
+            <a:r>
+              <a:rPr lang="ja-JP" altLang="en-US" sz="2000" dirty="0" smtClean="0"/>
+              <a:t>・ステージクリア後にスコアが表示</a:t>
+            </a:r>
+            <a:r>
+              <a:rPr lang="ja-JP" altLang="en-US" sz="2000" dirty="0" smtClean="0"/>
+              <a:t>される</a:t>
+            </a:r>
+            <a:endParaRPr lang="en-US" altLang="ja-JP" sz="2000" dirty="0" smtClean="0"/>
+          </a:p>
+        </p:txBody>
+      </p:sp>
+      <p:sp>
+        <p:nvSpPr>
+          <p:cNvPr id="9" name="テキスト ボックス 8"/>
           <p:cNvSpPr txBox="1"/>
           <p:nvPr/>
         </p:nvSpPr>
         <p:spPr>
           <a:xfrm>
-            <a:off x="338447" y="2541320"/>
-            <a:ext cx="11572399" cy="3046988"/>
+            <a:off x="335632" y="1201287"/>
+            <a:ext cx="9494907" cy="430887"/>
           </a:xfrm>
           <a:prstGeom prst="rect">
             <a:avLst/>
@@ -6948,68 +6925,27 @@
           <a:lstStyle/>
           <a:p>
             <a:r>
-              <a:rPr kumimoji="1" lang="ja-JP" altLang="en-US" sz="2400" dirty="0" smtClean="0"/>
-              <a:t>・制限時間が</a:t>
-            </a:r>
-            <a:r>
-              <a:rPr lang="ja-JP" altLang="en-US" sz="2400" dirty="0"/>
-              <a:t>あること</a:t>
-            </a:r>
-            <a:r>
-              <a:rPr lang="ja-JP" altLang="en-US" sz="2400" dirty="0" smtClean="0"/>
-              <a:t>で緊張感と敵を殲滅してクリアする爽快感がある</a:t>
-            </a:r>
-            <a:endParaRPr lang="en-US" altLang="ja-JP" sz="2400" dirty="0" smtClean="0"/>
-          </a:p>
-          <a:p>
-            <a:endParaRPr kumimoji="1" lang="en-US" altLang="ja-JP" sz="2400" dirty="0"/>
-          </a:p>
-          <a:p>
-            <a:r>
-              <a:rPr lang="ja-JP" altLang="en-US" sz="2400" dirty="0" smtClean="0"/>
-              <a:t>・ステージクリア後にスコアが表示されるので、繰り返し遊ぶことができる</a:t>
-            </a:r>
-            <a:endParaRPr lang="en-US" altLang="ja-JP" sz="2400" dirty="0" smtClean="0"/>
-          </a:p>
-          <a:p>
-            <a:endParaRPr kumimoji="1" lang="en-US" altLang="ja-JP" sz="2400" dirty="0"/>
-          </a:p>
-          <a:p>
-            <a:r>
-              <a:rPr lang="ja-JP" altLang="en-US" sz="2400" dirty="0" smtClean="0"/>
-              <a:t>・犬が主人公なのでかわいさと、</a:t>
-            </a:r>
-            <a:endParaRPr lang="en-US" altLang="ja-JP" sz="2400" dirty="0"/>
-          </a:p>
-          <a:p>
-            <a:r>
-              <a:rPr lang="ja-JP" altLang="en-US" sz="2400" dirty="0" smtClean="0"/>
-              <a:t>化学兵器が登場するかっこよさが同居しているので、幅広いプレイヤー層に刺さる</a:t>
-            </a:r>
-            <a:endParaRPr lang="en-US" altLang="ja-JP" sz="2400" dirty="0" smtClean="0"/>
-          </a:p>
-          <a:p>
-            <a:endParaRPr kumimoji="1" lang="en-US" altLang="ja-JP" sz="2400" dirty="0"/>
-          </a:p>
-          <a:p>
-            <a:r>
-              <a:rPr lang="ja-JP" altLang="en-US" sz="2400" dirty="0" smtClean="0"/>
-              <a:t>・ステージごとに違うギミックにより攻略体験や、アイテム要素が戦略性がある</a:t>
-            </a:r>
-            <a:endParaRPr lang="en-US" altLang="ja-JP" sz="2400" dirty="0" smtClean="0"/>
-          </a:p>
-        </p:txBody>
-      </p:sp>
-      <p:sp>
-        <p:nvSpPr>
-          <p:cNvPr id="13" name="正方形/長方形 12"/>
+              <a:rPr lang="ja-JP" altLang="en-US" sz="2200" u="sng" dirty="0" smtClean="0"/>
+              <a:t>・犬</a:t>
+            </a:r>
+            <a:r>
+              <a:rPr lang="ja-JP" altLang="en-US" sz="2200" u="sng" dirty="0"/>
+              <a:t>を主人公にして、兵器を駆使してエイリアンを倒し地球を守るゲーム</a:t>
+            </a:r>
+            <a:endParaRPr kumimoji="1" lang="ja-JP" altLang="en-US" sz="2200" u="sng" dirty="0"/>
+          </a:p>
+        </p:txBody>
+      </p:sp>
+      <p:sp>
+        <p:nvSpPr>
+          <p:cNvPr id="16" name="正方形/長方形 15"/>
           <p:cNvSpPr/>
           <p:nvPr/>
         </p:nvSpPr>
         <p:spPr>
           <a:xfrm>
-            <a:off x="249382" y="267686"/>
-            <a:ext cx="4619501" cy="707886"/>
+            <a:off x="302821" y="284954"/>
+            <a:ext cx="2784763" cy="743458"/>
           </a:xfrm>
           <a:prstGeom prst="rect">
             <a:avLst/>
@@ -7048,31 +6984,36 @@
       </p:sp>
       <p:sp>
         <p:nvSpPr>
-          <p:cNvPr id="14" name="正方形/長方形 13"/>
+          <p:cNvPr id="18" name="正方形/長方形 17"/>
           <p:cNvSpPr/>
           <p:nvPr/>
         </p:nvSpPr>
         <p:spPr>
           <a:xfrm>
-            <a:off x="338447" y="1864426"/>
-            <a:ext cx="11376561" cy="4583875"/>
+            <a:off x="335632" y="1745673"/>
+            <a:ext cx="10132467" cy="4767943"/>
           </a:xfrm>
           <a:prstGeom prst="rect">
             <a:avLst/>
           </a:prstGeom>
           <a:noFill/>
+          <a:ln>
+            <a:solidFill>
+              <a:schemeClr val="bg1"/>
+            </a:solidFill>
+          </a:ln>
         </p:spPr>
         <p:style>
           <a:lnRef idx="2">
-            <a:schemeClr val="dk1">
+            <a:schemeClr val="accent1">
               <a:shade val="50000"/>
             </a:schemeClr>
           </a:lnRef>
           <a:fillRef idx="1">
-            <a:schemeClr val="dk1"/>
+            <a:schemeClr val="accent1"/>
           </a:fillRef>
           <a:effectRef idx="0">
-            <a:schemeClr val="dk1"/>
+            <a:schemeClr val="accent1"/>
           </a:effectRef>
           <a:fontRef idx="minor">
             <a:schemeClr val="lt1"/>
@@ -7083,14 +7024,83 @@
           <a:lstStyle/>
           <a:p>
             <a:pPr algn="ctr"/>
-            <a:endParaRPr kumimoji="1" lang="ja-JP" altLang="en-US"/>
-          </a:p>
-        </p:txBody>
-      </p:sp>
+            <a:endParaRPr kumimoji="1" lang="ja-JP" altLang="en-US">
+              <a:ln>
+                <a:solidFill>
+                  <a:sysClr val="windowText" lastClr="000000"/>
+                </a:solidFill>
+              </a:ln>
+              <a:solidFill>
+                <a:sysClr val="windowText" lastClr="000000"/>
+              </a:solidFill>
+            </a:endParaRPr>
+          </a:p>
+        </p:txBody>
+      </p:sp>
+      <p:pic>
+        <p:nvPicPr>
+          <p:cNvPr id="2" name="図 1"/>
+          <p:cNvPicPr>
+            <a:picLocks noChangeAspect="1"/>
+          </p:cNvPicPr>
+          <p:nvPr/>
+        </p:nvPicPr>
+        <p:blipFill>
+          <a:blip r:embed="rId2" cstate="print">
+            <a:extLst>
+              <a:ext uri="{28A0092B-C50C-407E-A947-70E740481C1C}">
+                <a14:useLocalDpi xmlns:a14="http://schemas.microsoft.com/office/drawing/2010/main" val="0"/>
+              </a:ext>
+            </a:extLst>
+          </a:blip>
+          <a:stretch>
+            <a:fillRect/>
+          </a:stretch>
+        </p:blipFill>
+        <p:spPr>
+          <a:xfrm>
+            <a:off x="8248162" y="4334256"/>
+            <a:ext cx="2108391" cy="2103120"/>
+          </a:xfrm>
+          <a:prstGeom prst="rect">
+            <a:avLst/>
+          </a:prstGeom>
+        </p:spPr>
+      </p:pic>
+      <p:pic>
+        <p:nvPicPr>
+          <p:cNvPr id="3" name="図 2"/>
+          <p:cNvPicPr>
+            <a:picLocks noChangeAspect="1"/>
+          </p:cNvPicPr>
+          <p:nvPr/>
+        </p:nvPicPr>
+        <p:blipFill>
+          <a:blip r:embed="rId3" cstate="print">
+            <a:extLst>
+              <a:ext uri="{28A0092B-C50C-407E-A947-70E740481C1C}">
+                <a14:useLocalDpi xmlns:a14="http://schemas.microsoft.com/office/drawing/2010/main" val="0"/>
+              </a:ext>
+            </a:extLst>
+          </a:blip>
+          <a:stretch>
+            <a:fillRect/>
+          </a:stretch>
+        </p:blipFill>
+        <p:spPr>
+          <a:xfrm rot="19373706">
+            <a:off x="7986867" y="5413172"/>
+            <a:ext cx="1108758" cy="1057477"/>
+          </a:xfrm>
+          <a:prstGeom prst="rect">
+            <a:avLst/>
+          </a:prstGeom>
+        </p:spPr>
+      </p:pic>
     </p:spTree>
     <p:extLst>
       <p:ext uri="{BB962C8B-B14F-4D97-AF65-F5344CB8AC3E}">
-        <p14:creationId xmlns:p14="http://schemas.microsoft.com/office/powerpoint/2010/main" val="177058317"/>
+        <p14:creationId xmlns:p14="http://schemas.microsoft.com/office/powerpoint/2010/main" val="2507048037"/>
       </p:ext>
     </p:extLst>
   </p:cSld>
